--- a/FinalProject/Design/Slide.pptx
+++ b/FinalProject/Design/Slide.pptx
@@ -13,7 +13,8 @@
     <p:sldId id="262" r:id="rId7"/>
     <p:sldId id="263" r:id="rId8"/>
     <p:sldId id="264" r:id="rId9"/>
-    <p:sldId id="260" r:id="rId10"/>
+    <p:sldId id="265" r:id="rId10"/>
+    <p:sldId id="266" r:id="rId11"/>
   </p:sldIdLst>
   <p:sldSz cx="12192000" cy="6858000"/>
   <p:notesSz cx="6858000" cy="9144000"/>
@@ -267,7 +268,7 @@
           <a:p>
             <a:fld id="{308D5410-5406-468B-B477-B80992D97B1A}" type="datetimeFigureOut">
               <a:rPr lang="en-US" smtClean="0"/>
-              <a:t>12/23/2020</a:t>
+              <a:t>12/25/2020</a:t>
             </a:fld>
             <a:endParaRPr lang="en-US"/>
           </a:p>
@@ -465,7 +466,7 @@
           <a:p>
             <a:fld id="{308D5410-5406-468B-B477-B80992D97B1A}" type="datetimeFigureOut">
               <a:rPr lang="en-US" smtClean="0"/>
-              <a:t>12/23/2020</a:t>
+              <a:t>12/25/2020</a:t>
             </a:fld>
             <a:endParaRPr lang="en-US"/>
           </a:p>
@@ -673,7 +674,7 @@
           <a:p>
             <a:fld id="{308D5410-5406-468B-B477-B80992D97B1A}" type="datetimeFigureOut">
               <a:rPr lang="en-US" smtClean="0"/>
-              <a:t>12/23/2020</a:t>
+              <a:t>12/25/2020</a:t>
             </a:fld>
             <a:endParaRPr lang="en-US"/>
           </a:p>
@@ -871,7 +872,7 @@
           <a:p>
             <a:fld id="{308D5410-5406-468B-B477-B80992D97B1A}" type="datetimeFigureOut">
               <a:rPr lang="en-US" smtClean="0"/>
-              <a:t>12/23/2020</a:t>
+              <a:t>12/25/2020</a:t>
             </a:fld>
             <a:endParaRPr lang="en-US"/>
           </a:p>
@@ -1146,7 +1147,7 @@
           <a:p>
             <a:fld id="{308D5410-5406-468B-B477-B80992D97B1A}" type="datetimeFigureOut">
               <a:rPr lang="en-US" smtClean="0"/>
-              <a:t>12/23/2020</a:t>
+              <a:t>12/25/2020</a:t>
             </a:fld>
             <a:endParaRPr lang="en-US"/>
           </a:p>
@@ -1411,7 +1412,7 @@
           <a:p>
             <a:fld id="{308D5410-5406-468B-B477-B80992D97B1A}" type="datetimeFigureOut">
               <a:rPr lang="en-US" smtClean="0"/>
-              <a:t>12/23/2020</a:t>
+              <a:t>12/25/2020</a:t>
             </a:fld>
             <a:endParaRPr lang="en-US"/>
           </a:p>
@@ -1823,7 +1824,7 @@
           <a:p>
             <a:fld id="{308D5410-5406-468B-B477-B80992D97B1A}" type="datetimeFigureOut">
               <a:rPr lang="en-US" smtClean="0"/>
-              <a:t>12/23/2020</a:t>
+              <a:t>12/25/2020</a:t>
             </a:fld>
             <a:endParaRPr lang="en-US"/>
           </a:p>
@@ -1964,7 +1965,7 @@
           <a:p>
             <a:fld id="{308D5410-5406-468B-B477-B80992D97B1A}" type="datetimeFigureOut">
               <a:rPr lang="en-US" smtClean="0"/>
-              <a:t>12/23/2020</a:t>
+              <a:t>12/25/2020</a:t>
             </a:fld>
             <a:endParaRPr lang="en-US"/>
           </a:p>
@@ -2077,7 +2078,7 @@
           <a:p>
             <a:fld id="{308D5410-5406-468B-B477-B80992D97B1A}" type="datetimeFigureOut">
               <a:rPr lang="en-US" smtClean="0"/>
-              <a:t>12/23/2020</a:t>
+              <a:t>12/25/2020</a:t>
             </a:fld>
             <a:endParaRPr lang="en-US"/>
           </a:p>
@@ -2388,7 +2389,7 @@
           <a:p>
             <a:fld id="{308D5410-5406-468B-B477-B80992D97B1A}" type="datetimeFigureOut">
               <a:rPr lang="en-US" smtClean="0"/>
-              <a:t>12/23/2020</a:t>
+              <a:t>12/25/2020</a:t>
             </a:fld>
             <a:endParaRPr lang="en-US"/>
           </a:p>
@@ -2676,7 +2677,7 @@
           <a:p>
             <a:fld id="{308D5410-5406-468B-B477-B80992D97B1A}" type="datetimeFigureOut">
               <a:rPr lang="en-US" smtClean="0"/>
-              <a:t>12/23/2020</a:t>
+              <a:t>12/25/2020</a:t>
             </a:fld>
             <a:endParaRPr lang="en-US"/>
           </a:p>
@@ -2917,7 +2918,7 @@
           <a:p>
             <a:fld id="{308D5410-5406-468B-B477-B80992D97B1A}" type="datetimeFigureOut">
               <a:rPr lang="en-US" smtClean="0"/>
-              <a:t>12/23/2020</a:t>
+              <a:t>12/25/2020</a:t>
             </a:fld>
             <a:endParaRPr lang="en-US"/>
           </a:p>
@@ -3363,65 +3364,113 @@
           <a:lstStyle/>
           <a:p>
             <a:r>
-              <a:rPr lang="en-US" dirty="0" err="1"/>
+              <a:rPr lang="en-US" sz="4800" dirty="0" err="1">
+                <a:latin typeface="Times New Roman" panose="02020603050405020304" pitchFamily="18" charset="0"/>
+                <a:cs typeface="Times New Roman" panose="02020603050405020304" pitchFamily="18" charset="0"/>
+              </a:rPr>
               <a:t>EcobikeRental</a:t>
             </a:r>
             <a:br>
-              <a:rPr lang="en-US" dirty="0"/>
+              <a:rPr lang="en-US" sz="4800" dirty="0">
+                <a:latin typeface="Times New Roman" panose="02020603050405020304" pitchFamily="18" charset="0"/>
+                <a:cs typeface="Times New Roman" panose="02020603050405020304" pitchFamily="18" charset="0"/>
+              </a:rPr>
             </a:br>
             <a:r>
-              <a:rPr lang="en-US" sz="4800" dirty="0" err="1"/>
+              <a:rPr lang="en-US" sz="4800" dirty="0" err="1">
+                <a:latin typeface="Times New Roman" panose="02020603050405020304" pitchFamily="18" charset="0"/>
+                <a:cs typeface="Times New Roman" panose="02020603050405020304" pitchFamily="18" charset="0"/>
+              </a:rPr>
               <a:t>Môn</a:t>
             </a:r>
             <a:r>
-              <a:rPr lang="en-US" sz="4800" dirty="0"/>
+              <a:rPr lang="en-US" sz="4800" dirty="0">
+                <a:latin typeface="Times New Roman" panose="02020603050405020304" pitchFamily="18" charset="0"/>
+                <a:cs typeface="Times New Roman" panose="02020603050405020304" pitchFamily="18" charset="0"/>
+              </a:rPr>
               <a:t>: </a:t>
             </a:r>
             <a:r>
-              <a:rPr lang="en-US" sz="4800" dirty="0" err="1"/>
+              <a:rPr lang="en-US" sz="4800" dirty="0" err="1">
+                <a:latin typeface="Times New Roman" panose="02020603050405020304" pitchFamily="18" charset="0"/>
+                <a:cs typeface="Times New Roman" panose="02020603050405020304" pitchFamily="18" charset="0"/>
+              </a:rPr>
               <a:t>Thiết</a:t>
             </a:r>
             <a:r>
-              <a:rPr lang="en-US" sz="4800" dirty="0"/>
+              <a:rPr lang="en-US" sz="4800" dirty="0">
+                <a:latin typeface="Times New Roman" panose="02020603050405020304" pitchFamily="18" charset="0"/>
+                <a:cs typeface="Times New Roman" panose="02020603050405020304" pitchFamily="18" charset="0"/>
+              </a:rPr>
               <a:t> </a:t>
             </a:r>
             <a:r>
-              <a:rPr lang="en-US" sz="4800" dirty="0" err="1"/>
+              <a:rPr lang="en-US" sz="4800" dirty="0" err="1">
+                <a:latin typeface="Times New Roman" panose="02020603050405020304" pitchFamily="18" charset="0"/>
+                <a:cs typeface="Times New Roman" panose="02020603050405020304" pitchFamily="18" charset="0"/>
+              </a:rPr>
               <a:t>kế</a:t>
             </a:r>
             <a:r>
-              <a:rPr lang="en-US" sz="4800" dirty="0"/>
+              <a:rPr lang="en-US" sz="4800" dirty="0">
+                <a:latin typeface="Times New Roman" panose="02020603050405020304" pitchFamily="18" charset="0"/>
+                <a:cs typeface="Times New Roman" panose="02020603050405020304" pitchFamily="18" charset="0"/>
+              </a:rPr>
               <a:t> </a:t>
             </a:r>
             <a:r>
-              <a:rPr lang="en-US" sz="4800" dirty="0" err="1"/>
+              <a:rPr lang="en-US" sz="4800" dirty="0" err="1">
+                <a:latin typeface="Times New Roman" panose="02020603050405020304" pitchFamily="18" charset="0"/>
+                <a:cs typeface="Times New Roman" panose="02020603050405020304" pitchFamily="18" charset="0"/>
+              </a:rPr>
               <a:t>xây</a:t>
             </a:r>
             <a:r>
-              <a:rPr lang="en-US" sz="4800" dirty="0"/>
+              <a:rPr lang="en-US" sz="4800" dirty="0">
+                <a:latin typeface="Times New Roman" panose="02020603050405020304" pitchFamily="18" charset="0"/>
+                <a:cs typeface="Times New Roman" panose="02020603050405020304" pitchFamily="18" charset="0"/>
+              </a:rPr>
               <a:t> </a:t>
             </a:r>
             <a:r>
-              <a:rPr lang="en-US" sz="4800" dirty="0" err="1"/>
+              <a:rPr lang="en-US" sz="4800" dirty="0" err="1">
+                <a:latin typeface="Times New Roman" panose="02020603050405020304" pitchFamily="18" charset="0"/>
+                <a:cs typeface="Times New Roman" panose="02020603050405020304" pitchFamily="18" charset="0"/>
+              </a:rPr>
               <a:t>dựng</a:t>
             </a:r>
             <a:r>
-              <a:rPr lang="en-US" sz="4800" dirty="0"/>
+              <a:rPr lang="en-US" sz="4800" dirty="0">
+                <a:latin typeface="Times New Roman" panose="02020603050405020304" pitchFamily="18" charset="0"/>
+                <a:cs typeface="Times New Roman" panose="02020603050405020304" pitchFamily="18" charset="0"/>
+              </a:rPr>
               <a:t> </a:t>
             </a:r>
             <a:r>
-              <a:rPr lang="en-US" sz="4800" dirty="0" err="1"/>
+              <a:rPr lang="en-US" sz="4800" dirty="0" err="1">
+                <a:latin typeface="Times New Roman" panose="02020603050405020304" pitchFamily="18" charset="0"/>
+                <a:cs typeface="Times New Roman" panose="02020603050405020304" pitchFamily="18" charset="0"/>
+              </a:rPr>
               <a:t>phần</a:t>
             </a:r>
             <a:r>
-              <a:rPr lang="en-US" sz="4800" dirty="0"/>
+              <a:rPr lang="en-US" sz="4800" dirty="0">
+                <a:latin typeface="Times New Roman" panose="02020603050405020304" pitchFamily="18" charset="0"/>
+                <a:cs typeface="Times New Roman" panose="02020603050405020304" pitchFamily="18" charset="0"/>
+              </a:rPr>
               <a:t> </a:t>
             </a:r>
             <a:r>
-              <a:rPr lang="en-US" sz="4800" dirty="0" err="1"/>
+              <a:rPr lang="en-US" sz="4800" dirty="0" err="1">
+                <a:latin typeface="Times New Roman" panose="02020603050405020304" pitchFamily="18" charset="0"/>
+                <a:cs typeface="Times New Roman" panose="02020603050405020304" pitchFamily="18" charset="0"/>
+              </a:rPr>
               <a:t>mềm</a:t>
             </a:r>
-            <a:endParaRPr lang="en-US" sz="4800" dirty="0"/>
+            <a:endParaRPr lang="en-US" sz="4800" dirty="0">
+              <a:latin typeface="Times New Roman" panose="02020603050405020304" pitchFamily="18" charset="0"/>
+              <a:cs typeface="Times New Roman" panose="02020603050405020304" pitchFamily="18" charset="0"/>
+            </a:endParaRPr>
           </a:p>
         </p:txBody>
       </p:sp>
@@ -3454,87 +3503,144 @@
           <a:lstStyle/>
           <a:p>
             <a:r>
-              <a:rPr lang="en-US" dirty="0" err="1"/>
+              <a:rPr lang="en-US" dirty="0" err="1">
+                <a:latin typeface="Times New Roman" panose="02020603050405020304" pitchFamily="18" charset="0"/>
+                <a:cs typeface="Times New Roman" panose="02020603050405020304" pitchFamily="18" charset="0"/>
+              </a:rPr>
               <a:t>Nhóm</a:t>
             </a:r>
             <a:r>
-              <a:rPr lang="en-US" dirty="0"/>
+              <a:rPr lang="en-US" dirty="0">
+                <a:latin typeface="Times New Roman" panose="02020603050405020304" pitchFamily="18" charset="0"/>
+                <a:cs typeface="Times New Roman" panose="02020603050405020304" pitchFamily="18" charset="0"/>
+              </a:rPr>
               <a:t> 13</a:t>
             </a:r>
           </a:p>
           <a:p>
             <a:r>
-              <a:rPr lang="en-US" dirty="0" err="1"/>
+              <a:rPr lang="en-US" dirty="0" err="1">
+                <a:latin typeface="Times New Roman" panose="02020603050405020304" pitchFamily="18" charset="0"/>
+                <a:cs typeface="Times New Roman" panose="02020603050405020304" pitchFamily="18" charset="0"/>
+              </a:rPr>
               <a:t>Phạm</a:t>
             </a:r>
             <a:r>
-              <a:rPr lang="en-US" dirty="0"/>
+              <a:rPr lang="en-US" dirty="0">
+                <a:latin typeface="Times New Roman" panose="02020603050405020304" pitchFamily="18" charset="0"/>
+                <a:cs typeface="Times New Roman" panose="02020603050405020304" pitchFamily="18" charset="0"/>
+              </a:rPr>
               <a:t> </a:t>
             </a:r>
             <a:r>
-              <a:rPr lang="en-US" dirty="0" err="1"/>
+              <a:rPr lang="en-US" dirty="0" err="1">
+                <a:latin typeface="Times New Roman" panose="02020603050405020304" pitchFamily="18" charset="0"/>
+                <a:cs typeface="Times New Roman" panose="02020603050405020304" pitchFamily="18" charset="0"/>
+              </a:rPr>
               <a:t>Hồng</a:t>
             </a:r>
             <a:r>
-              <a:rPr lang="en-US" dirty="0"/>
+              <a:rPr lang="en-US" dirty="0">
+                <a:latin typeface="Times New Roman" panose="02020603050405020304" pitchFamily="18" charset="0"/>
+                <a:cs typeface="Times New Roman" panose="02020603050405020304" pitchFamily="18" charset="0"/>
+              </a:rPr>
               <a:t> </a:t>
             </a:r>
             <a:r>
-              <a:rPr lang="en-US" dirty="0" err="1"/>
+              <a:rPr lang="en-US" dirty="0" err="1">
+                <a:latin typeface="Times New Roman" panose="02020603050405020304" pitchFamily="18" charset="0"/>
+                <a:cs typeface="Times New Roman" panose="02020603050405020304" pitchFamily="18" charset="0"/>
+              </a:rPr>
               <a:t>Phúc</a:t>
             </a:r>
             <a:r>
-              <a:rPr lang="en-US" dirty="0"/>
+              <a:rPr lang="en-US" dirty="0">
+                <a:latin typeface="Times New Roman" panose="02020603050405020304" pitchFamily="18" charset="0"/>
+                <a:cs typeface="Times New Roman" panose="02020603050405020304" pitchFamily="18" charset="0"/>
+              </a:rPr>
               <a:t>          20173303</a:t>
             </a:r>
           </a:p>
           <a:p>
             <a:r>
-              <a:rPr lang="en-US" dirty="0" err="1"/>
+              <a:rPr lang="en-US" dirty="0" err="1">
+                <a:latin typeface="Times New Roman" panose="02020603050405020304" pitchFamily="18" charset="0"/>
+                <a:cs typeface="Times New Roman" panose="02020603050405020304" pitchFamily="18" charset="0"/>
+              </a:rPr>
               <a:t>Ngô</a:t>
             </a:r>
             <a:r>
-              <a:rPr lang="en-US" dirty="0"/>
+              <a:rPr lang="en-US" dirty="0">
+                <a:latin typeface="Times New Roman" panose="02020603050405020304" pitchFamily="18" charset="0"/>
+                <a:cs typeface="Times New Roman" panose="02020603050405020304" pitchFamily="18" charset="0"/>
+              </a:rPr>
               <a:t> Minh Quang          20173326</a:t>
             </a:r>
           </a:p>
           <a:p>
             <a:r>
-              <a:rPr lang="en-US" dirty="0" err="1"/>
+              <a:rPr lang="en-US" dirty="0" err="1">
+                <a:latin typeface="Times New Roman" panose="02020603050405020304" pitchFamily="18" charset="0"/>
+                <a:cs typeface="Times New Roman" panose="02020603050405020304" pitchFamily="18" charset="0"/>
+              </a:rPr>
               <a:t>Trần</a:t>
             </a:r>
             <a:r>
-              <a:rPr lang="en-US" dirty="0"/>
+              <a:rPr lang="en-US" dirty="0">
+                <a:latin typeface="Times New Roman" panose="02020603050405020304" pitchFamily="18" charset="0"/>
+                <a:cs typeface="Times New Roman" panose="02020603050405020304" pitchFamily="18" charset="0"/>
+              </a:rPr>
               <a:t> Minh Quang         20173329</a:t>
             </a:r>
           </a:p>
           <a:p>
             <a:r>
-              <a:rPr lang="en-US" dirty="0"/>
+              <a:rPr lang="en-US" dirty="0">
+                <a:latin typeface="Times New Roman" panose="02020603050405020304" pitchFamily="18" charset="0"/>
+                <a:cs typeface="Times New Roman" panose="02020603050405020304" pitchFamily="18" charset="0"/>
+              </a:rPr>
               <a:t>S</a:t>
             </a:r>
             <a:r>
-              <a:rPr lang="vi-VN" dirty="0"/>
+              <a:rPr lang="vi-VN" dirty="0">
+                <a:latin typeface="Times New Roman" panose="02020603050405020304" pitchFamily="18" charset="0"/>
+                <a:cs typeface="Times New Roman" panose="02020603050405020304" pitchFamily="18" charset="0"/>
+              </a:rPr>
               <a:t>ư</a:t>
             </a:r>
             <a:r>
-              <a:rPr lang="en-US" dirty="0"/>
+              <a:rPr lang="en-US" dirty="0">
+                <a:latin typeface="Times New Roman" panose="02020603050405020304" pitchFamily="18" charset="0"/>
+                <a:cs typeface="Times New Roman" panose="02020603050405020304" pitchFamily="18" charset="0"/>
+              </a:rPr>
               <a:t> </a:t>
             </a:r>
             <a:r>
-              <a:rPr lang="en-US" dirty="0" err="1"/>
+              <a:rPr lang="en-US" dirty="0" err="1">
+                <a:latin typeface="Times New Roman" panose="02020603050405020304" pitchFamily="18" charset="0"/>
+                <a:cs typeface="Times New Roman" panose="02020603050405020304" pitchFamily="18" charset="0"/>
+              </a:rPr>
               <a:t>Hữu</a:t>
             </a:r>
             <a:r>
-              <a:rPr lang="en-US" dirty="0"/>
+              <a:rPr lang="en-US" dirty="0">
+                <a:latin typeface="Times New Roman" panose="02020603050405020304" pitchFamily="18" charset="0"/>
+                <a:cs typeface="Times New Roman" panose="02020603050405020304" pitchFamily="18" charset="0"/>
+              </a:rPr>
               <a:t> </a:t>
             </a:r>
             <a:r>
-              <a:rPr lang="en-US" dirty="0" err="1"/>
+              <a:rPr lang="en-US" dirty="0" err="1">
+                <a:latin typeface="Times New Roman" panose="02020603050405020304" pitchFamily="18" charset="0"/>
+                <a:cs typeface="Times New Roman" panose="02020603050405020304" pitchFamily="18" charset="0"/>
+              </a:rPr>
               <a:t>Vũ</a:t>
             </a:r>
             <a:r>
-              <a:rPr lang="en-US" dirty="0"/>
+              <a:rPr lang="en-US" dirty="0">
+                <a:latin typeface="Times New Roman" panose="02020603050405020304" pitchFamily="18" charset="0"/>
+                <a:cs typeface="Times New Roman" panose="02020603050405020304" pitchFamily="18" charset="0"/>
+              </a:rPr>
               <a:t> Quang        20167972</a:t>
             </a:r>
           </a:p>
@@ -3544,6 +3650,218 @@
     <p:extLst>
       <p:ext uri="{BB962C8B-B14F-4D97-AF65-F5344CB8AC3E}">
         <p14:creationId xmlns:p14="http://schemas.microsoft.com/office/powerpoint/2010/main" val="4280361036"/>
+      </p:ext>
+    </p:extLst>
+  </p:cSld>
+  <p:clrMapOvr>
+    <a:masterClrMapping/>
+  </p:clrMapOvr>
+</p:sld>
+</file>
+
+<file path=ppt/slides/slide10.xml><?xml version="1.0" encoding="utf-8"?>
+<p:sld xmlns:a="http://schemas.openxmlformats.org/drawingml/2006/main" xmlns:r="http://schemas.openxmlformats.org/officeDocument/2006/relationships" xmlns:p="http://schemas.openxmlformats.org/presentationml/2006/main">
+  <p:cSld>
+    <p:spTree>
+      <p:nvGrpSpPr>
+        <p:cNvPr id="1" name=""/>
+        <p:cNvGrpSpPr/>
+        <p:nvPr/>
+      </p:nvGrpSpPr>
+      <p:grpSpPr>
+        <a:xfrm>
+          <a:off x="0" y="0"/>
+          <a:ext cx="0" cy="0"/>
+          <a:chOff x="0" y="0"/>
+          <a:chExt cx="0" cy="0"/>
+        </a:xfrm>
+      </p:grpSpPr>
+      <p:sp>
+        <p:nvSpPr>
+          <p:cNvPr id="2" name="Title 1">
+            <a:extLst>
+              <a:ext uri="{FF2B5EF4-FFF2-40B4-BE49-F238E27FC236}">
+                <a16:creationId xmlns:a16="http://schemas.microsoft.com/office/drawing/2014/main" id="{135D9D84-005C-45F4-AB90-5E92528D59AA}"/>
+              </a:ext>
+            </a:extLst>
+          </p:cNvPr>
+          <p:cNvSpPr>
+            <a:spLocks noGrp="1"/>
+          </p:cNvSpPr>
+          <p:nvPr>
+            <p:ph type="title"/>
+          </p:nvPr>
+        </p:nvSpPr>
+        <p:spPr/>
+        <p:txBody>
+          <a:bodyPr/>
+          <a:lstStyle/>
+          <a:p>
+            <a:endParaRPr lang="vi-VN"/>
+          </a:p>
+        </p:txBody>
+      </p:sp>
+      <p:sp>
+        <p:nvSpPr>
+          <p:cNvPr id="3" name="Content Placeholder 2">
+            <a:extLst>
+              <a:ext uri="{FF2B5EF4-FFF2-40B4-BE49-F238E27FC236}">
+                <a16:creationId xmlns:a16="http://schemas.microsoft.com/office/drawing/2014/main" id="{8ABC439C-E00C-4055-93AC-BF2C691F05D6}"/>
+              </a:ext>
+            </a:extLst>
+          </p:cNvPr>
+          <p:cNvSpPr>
+            <a:spLocks noGrp="1"/>
+          </p:cNvSpPr>
+          <p:nvPr>
+            <p:ph idx="1"/>
+          </p:nvPr>
+        </p:nvSpPr>
+        <p:spPr>
+          <a:xfrm>
+            <a:off x="838200" y="3150703"/>
+            <a:ext cx="10515600" cy="3026259"/>
+          </a:xfrm>
+        </p:spPr>
+        <p:txBody>
+          <a:bodyPr>
+            <a:normAutofit/>
+          </a:bodyPr>
+          <a:lstStyle/>
+          <a:p>
+            <a:pPr marL="0" indent="0" algn="ctr">
+              <a:buNone/>
+            </a:pPr>
+            <a:r>
+              <a:rPr lang="en-US" sz="4800" dirty="0" err="1">
+                <a:latin typeface="Times New Roman" panose="02020603050405020304" pitchFamily="18" charset="0"/>
+                <a:cs typeface="Times New Roman" panose="02020603050405020304" pitchFamily="18" charset="0"/>
+              </a:rPr>
+              <a:t>Cảm</a:t>
+            </a:r>
+            <a:r>
+              <a:rPr lang="en-US" sz="4800" dirty="0">
+                <a:latin typeface="Times New Roman" panose="02020603050405020304" pitchFamily="18" charset="0"/>
+                <a:cs typeface="Times New Roman" panose="02020603050405020304" pitchFamily="18" charset="0"/>
+              </a:rPr>
+              <a:t> </a:t>
+            </a:r>
+            <a:r>
+              <a:rPr lang="en-US" sz="4800" dirty="0" err="1">
+                <a:latin typeface="Times New Roman" panose="02020603050405020304" pitchFamily="18" charset="0"/>
+                <a:cs typeface="Times New Roman" panose="02020603050405020304" pitchFamily="18" charset="0"/>
+              </a:rPr>
+              <a:t>ơn</a:t>
+            </a:r>
+            <a:r>
+              <a:rPr lang="en-US" sz="4800" dirty="0">
+                <a:latin typeface="Times New Roman" panose="02020603050405020304" pitchFamily="18" charset="0"/>
+                <a:cs typeface="Times New Roman" panose="02020603050405020304" pitchFamily="18" charset="0"/>
+              </a:rPr>
+              <a:t> </a:t>
+            </a:r>
+            <a:r>
+              <a:rPr lang="en-US" sz="4800" dirty="0" err="1">
+                <a:latin typeface="Times New Roman" panose="02020603050405020304" pitchFamily="18" charset="0"/>
+                <a:cs typeface="Times New Roman" panose="02020603050405020304" pitchFamily="18" charset="0"/>
+              </a:rPr>
+              <a:t>cô</a:t>
+            </a:r>
+            <a:r>
+              <a:rPr lang="en-US" sz="4800" dirty="0">
+                <a:latin typeface="Times New Roman" panose="02020603050405020304" pitchFamily="18" charset="0"/>
+                <a:cs typeface="Times New Roman" panose="02020603050405020304" pitchFamily="18" charset="0"/>
+              </a:rPr>
+              <a:t> </a:t>
+            </a:r>
+            <a:r>
+              <a:rPr lang="en-US" sz="4800" dirty="0" err="1">
+                <a:latin typeface="Times New Roman" panose="02020603050405020304" pitchFamily="18" charset="0"/>
+                <a:cs typeface="Times New Roman" panose="02020603050405020304" pitchFamily="18" charset="0"/>
+              </a:rPr>
+              <a:t>và</a:t>
+            </a:r>
+            <a:r>
+              <a:rPr lang="en-US" sz="4800" dirty="0">
+                <a:latin typeface="Times New Roman" panose="02020603050405020304" pitchFamily="18" charset="0"/>
+                <a:cs typeface="Times New Roman" panose="02020603050405020304" pitchFamily="18" charset="0"/>
+              </a:rPr>
+              <a:t> </a:t>
+            </a:r>
+            <a:r>
+              <a:rPr lang="en-US" sz="4800" dirty="0" err="1">
+                <a:latin typeface="Times New Roman" panose="02020603050405020304" pitchFamily="18" charset="0"/>
+                <a:cs typeface="Times New Roman" panose="02020603050405020304" pitchFamily="18" charset="0"/>
+              </a:rPr>
+              <a:t>các</a:t>
+            </a:r>
+            <a:r>
+              <a:rPr lang="en-US" sz="4800" dirty="0">
+                <a:latin typeface="Times New Roman" panose="02020603050405020304" pitchFamily="18" charset="0"/>
+                <a:cs typeface="Times New Roman" panose="02020603050405020304" pitchFamily="18" charset="0"/>
+              </a:rPr>
+              <a:t> </a:t>
+            </a:r>
+            <a:r>
+              <a:rPr lang="en-US" sz="4800" dirty="0" err="1">
+                <a:latin typeface="Times New Roman" panose="02020603050405020304" pitchFamily="18" charset="0"/>
+                <a:cs typeface="Times New Roman" panose="02020603050405020304" pitchFamily="18" charset="0"/>
+              </a:rPr>
+              <a:t>bạn</a:t>
+            </a:r>
+            <a:r>
+              <a:rPr lang="en-US" sz="4800" dirty="0">
+                <a:latin typeface="Times New Roman" panose="02020603050405020304" pitchFamily="18" charset="0"/>
+                <a:cs typeface="Times New Roman" panose="02020603050405020304" pitchFamily="18" charset="0"/>
+              </a:rPr>
+              <a:t> </a:t>
+            </a:r>
+            <a:r>
+              <a:rPr lang="en-US" sz="4800" dirty="0" err="1">
+                <a:latin typeface="Times New Roman" panose="02020603050405020304" pitchFamily="18" charset="0"/>
+                <a:cs typeface="Times New Roman" panose="02020603050405020304" pitchFamily="18" charset="0"/>
+              </a:rPr>
+              <a:t>đã</a:t>
+            </a:r>
+            <a:r>
+              <a:rPr lang="en-US" sz="4800" dirty="0">
+                <a:latin typeface="Times New Roman" panose="02020603050405020304" pitchFamily="18" charset="0"/>
+                <a:cs typeface="Times New Roman" panose="02020603050405020304" pitchFamily="18" charset="0"/>
+              </a:rPr>
+              <a:t> </a:t>
+            </a:r>
+            <a:r>
+              <a:rPr lang="en-US" sz="4800" dirty="0" err="1">
+                <a:latin typeface="Times New Roman" panose="02020603050405020304" pitchFamily="18" charset="0"/>
+                <a:cs typeface="Times New Roman" panose="02020603050405020304" pitchFamily="18" charset="0"/>
+              </a:rPr>
+              <a:t>lắng</a:t>
+            </a:r>
+            <a:r>
+              <a:rPr lang="en-US" sz="4800" dirty="0">
+                <a:latin typeface="Times New Roman" panose="02020603050405020304" pitchFamily="18" charset="0"/>
+                <a:cs typeface="Times New Roman" panose="02020603050405020304" pitchFamily="18" charset="0"/>
+              </a:rPr>
+              <a:t> </a:t>
+            </a:r>
+            <a:r>
+              <a:rPr lang="en-US" sz="4800" dirty="0" err="1">
+                <a:latin typeface="Times New Roman" panose="02020603050405020304" pitchFamily="18" charset="0"/>
+                <a:cs typeface="Times New Roman" panose="02020603050405020304" pitchFamily="18" charset="0"/>
+              </a:rPr>
+              <a:t>nghe</a:t>
+            </a:r>
+            <a:endParaRPr lang="vi-VN" sz="4800" dirty="0">
+              <a:latin typeface="Times New Roman" panose="02020603050405020304" pitchFamily="18" charset="0"/>
+              <a:cs typeface="Times New Roman" panose="02020603050405020304" pitchFamily="18" charset="0"/>
+            </a:endParaRPr>
+          </a:p>
+        </p:txBody>
+      </p:sp>
+    </p:spTree>
+    <p:extLst>
+      <p:ext uri="{BB962C8B-B14F-4D97-AF65-F5344CB8AC3E}">
+        <p14:creationId xmlns:p14="http://schemas.microsoft.com/office/powerpoint/2010/main" val="1294782998"/>
       </p:ext>
     </p:extLst>
   </p:cSld>
@@ -3596,51 +3914,87 @@
               <a:buAutoNum type="romanUcPeriod"/>
             </a:pPr>
             <a:r>
-              <a:rPr lang="en-US" dirty="0" err="1"/>
+              <a:rPr lang="en-US" dirty="0" err="1">
+                <a:latin typeface="Times New Roman" panose="02020603050405020304" pitchFamily="18" charset="0"/>
+                <a:cs typeface="Times New Roman" panose="02020603050405020304" pitchFamily="18" charset="0"/>
+              </a:rPr>
               <a:t>Phân</a:t>
             </a:r>
             <a:r>
-              <a:rPr lang="en-US" dirty="0"/>
+              <a:rPr lang="en-US" dirty="0">
+                <a:latin typeface="Times New Roman" panose="02020603050405020304" pitchFamily="18" charset="0"/>
+                <a:cs typeface="Times New Roman" panose="02020603050405020304" pitchFamily="18" charset="0"/>
+              </a:rPr>
               <a:t> </a:t>
             </a:r>
             <a:r>
-              <a:rPr lang="en-US" dirty="0" err="1"/>
+              <a:rPr lang="en-US" dirty="0" err="1">
+                <a:latin typeface="Times New Roman" panose="02020603050405020304" pitchFamily="18" charset="0"/>
+                <a:cs typeface="Times New Roman" panose="02020603050405020304" pitchFamily="18" charset="0"/>
+              </a:rPr>
               <a:t>công</a:t>
             </a:r>
             <a:r>
-              <a:rPr lang="en-US" dirty="0"/>
+              <a:rPr lang="en-US" dirty="0">
+                <a:latin typeface="Times New Roman" panose="02020603050405020304" pitchFamily="18" charset="0"/>
+                <a:cs typeface="Times New Roman" panose="02020603050405020304" pitchFamily="18" charset="0"/>
+              </a:rPr>
               <a:t> </a:t>
             </a:r>
             <a:r>
-              <a:rPr lang="en-US" dirty="0" err="1"/>
+              <a:rPr lang="en-US" dirty="0" err="1">
+                <a:latin typeface="Times New Roman" panose="02020603050405020304" pitchFamily="18" charset="0"/>
+                <a:cs typeface="Times New Roman" panose="02020603050405020304" pitchFamily="18" charset="0"/>
+              </a:rPr>
               <a:t>thành</a:t>
             </a:r>
             <a:r>
-              <a:rPr lang="en-US" dirty="0"/>
+              <a:rPr lang="en-US" dirty="0">
+                <a:latin typeface="Times New Roman" panose="02020603050405020304" pitchFamily="18" charset="0"/>
+                <a:cs typeface="Times New Roman" panose="02020603050405020304" pitchFamily="18" charset="0"/>
+              </a:rPr>
               <a:t> </a:t>
             </a:r>
             <a:r>
-              <a:rPr lang="en-US" dirty="0" err="1"/>
+              <a:rPr lang="en-US" dirty="0" err="1">
+                <a:latin typeface="Times New Roman" panose="02020603050405020304" pitchFamily="18" charset="0"/>
+                <a:cs typeface="Times New Roman" panose="02020603050405020304" pitchFamily="18" charset="0"/>
+              </a:rPr>
               <a:t>viên</a:t>
             </a:r>
             <a:r>
-              <a:rPr lang="en-US" dirty="0"/>
+              <a:rPr lang="en-US" dirty="0">
+                <a:latin typeface="Times New Roman" panose="02020603050405020304" pitchFamily="18" charset="0"/>
+                <a:cs typeface="Times New Roman" panose="02020603050405020304" pitchFamily="18" charset="0"/>
+              </a:rPr>
               <a:t> (% </a:t>
             </a:r>
             <a:r>
-              <a:rPr lang="en-US" dirty="0" err="1"/>
+              <a:rPr lang="en-US" dirty="0" err="1">
+                <a:latin typeface="Times New Roman" panose="02020603050405020304" pitchFamily="18" charset="0"/>
+                <a:cs typeface="Times New Roman" panose="02020603050405020304" pitchFamily="18" charset="0"/>
+              </a:rPr>
               <a:t>đóng</a:t>
             </a:r>
             <a:r>
-              <a:rPr lang="en-US" dirty="0"/>
+              <a:rPr lang="en-US" dirty="0">
+                <a:latin typeface="Times New Roman" panose="02020603050405020304" pitchFamily="18" charset="0"/>
+                <a:cs typeface="Times New Roman" panose="02020603050405020304" pitchFamily="18" charset="0"/>
+              </a:rPr>
               <a:t> </a:t>
             </a:r>
             <a:r>
-              <a:rPr lang="en-US" dirty="0" err="1"/>
+              <a:rPr lang="en-US" dirty="0" err="1">
+                <a:latin typeface="Times New Roman" panose="02020603050405020304" pitchFamily="18" charset="0"/>
+                <a:cs typeface="Times New Roman" panose="02020603050405020304" pitchFamily="18" charset="0"/>
+              </a:rPr>
               <a:t>góp</a:t>
             </a:r>
             <a:r>
-              <a:rPr lang="en-US" dirty="0"/>
+              <a:rPr lang="en-US" dirty="0">
+                <a:latin typeface="Times New Roman" panose="02020603050405020304" pitchFamily="18" charset="0"/>
+                <a:cs typeface="Times New Roman" panose="02020603050405020304" pitchFamily="18" charset="0"/>
+              </a:rPr>
               <a:t>)</a:t>
             </a:r>
           </a:p>
@@ -3668,79 +4022,133 @@
           <a:lstStyle/>
           <a:p>
             <a:r>
-              <a:rPr lang="en-US" dirty="0" err="1"/>
+              <a:rPr lang="en-US" dirty="0" err="1">
+                <a:latin typeface="Times New Roman" panose="02020603050405020304" pitchFamily="18" charset="0"/>
+                <a:cs typeface="Times New Roman" panose="02020603050405020304" pitchFamily="18" charset="0"/>
+              </a:rPr>
               <a:t>Phạm</a:t>
             </a:r>
             <a:r>
-              <a:rPr lang="en-US" dirty="0"/>
+              <a:rPr lang="en-US" dirty="0">
+                <a:latin typeface="Times New Roman" panose="02020603050405020304" pitchFamily="18" charset="0"/>
+                <a:cs typeface="Times New Roman" panose="02020603050405020304" pitchFamily="18" charset="0"/>
+              </a:rPr>
               <a:t> </a:t>
             </a:r>
             <a:r>
-              <a:rPr lang="en-US" dirty="0" err="1"/>
+              <a:rPr lang="en-US" dirty="0" err="1">
+                <a:latin typeface="Times New Roman" panose="02020603050405020304" pitchFamily="18" charset="0"/>
+                <a:cs typeface="Times New Roman" panose="02020603050405020304" pitchFamily="18" charset="0"/>
+              </a:rPr>
               <a:t>Hồng</a:t>
             </a:r>
             <a:r>
-              <a:rPr lang="en-US" dirty="0"/>
-              <a:t> Phúc_20173303</a:t>
-            </a:r>
-          </a:p>
-          <a:p>
-            <a:endParaRPr lang="en-US" dirty="0"/>
-          </a:p>
-          <a:p>
-            <a:r>
-              <a:rPr lang="en-US" dirty="0" err="1"/>
+              <a:rPr lang="en-US" dirty="0">
+                <a:latin typeface="Times New Roman" panose="02020603050405020304" pitchFamily="18" charset="0"/>
+                <a:cs typeface="Times New Roman" panose="02020603050405020304" pitchFamily="18" charset="0"/>
+              </a:rPr>
+              <a:t> Phúc_20173303      30%</a:t>
+            </a:r>
+          </a:p>
+          <a:p>
+            <a:endParaRPr lang="en-US" dirty="0">
+              <a:latin typeface="Times New Roman" panose="02020603050405020304" pitchFamily="18" charset="0"/>
+              <a:cs typeface="Times New Roman" panose="02020603050405020304" pitchFamily="18" charset="0"/>
+            </a:endParaRPr>
+          </a:p>
+          <a:p>
+            <a:r>
+              <a:rPr lang="en-US" dirty="0" err="1">
+                <a:latin typeface="Times New Roman" panose="02020603050405020304" pitchFamily="18" charset="0"/>
+                <a:cs typeface="Times New Roman" panose="02020603050405020304" pitchFamily="18" charset="0"/>
+              </a:rPr>
               <a:t>Ngô</a:t>
             </a:r>
             <a:r>
-              <a:rPr lang="en-US" dirty="0"/>
-              <a:t> Minh Quang_20173326</a:t>
-            </a:r>
-          </a:p>
-          <a:p>
-            <a:endParaRPr lang="en-US" dirty="0"/>
-          </a:p>
-          <a:p>
-            <a:r>
-              <a:rPr lang="en-US" dirty="0" err="1"/>
+              <a:rPr lang="en-US" dirty="0">
+                <a:latin typeface="Times New Roman" panose="02020603050405020304" pitchFamily="18" charset="0"/>
+                <a:cs typeface="Times New Roman" panose="02020603050405020304" pitchFamily="18" charset="0"/>
+              </a:rPr>
+              <a:t> Minh Quang_20173326      25%</a:t>
+            </a:r>
+          </a:p>
+          <a:p>
+            <a:endParaRPr lang="en-US" dirty="0">
+              <a:latin typeface="Times New Roman" panose="02020603050405020304" pitchFamily="18" charset="0"/>
+              <a:cs typeface="Times New Roman" panose="02020603050405020304" pitchFamily="18" charset="0"/>
+            </a:endParaRPr>
+          </a:p>
+          <a:p>
+            <a:r>
+              <a:rPr lang="en-US" dirty="0" err="1">
+                <a:latin typeface="Times New Roman" panose="02020603050405020304" pitchFamily="18" charset="0"/>
+                <a:cs typeface="Times New Roman" panose="02020603050405020304" pitchFamily="18" charset="0"/>
+              </a:rPr>
               <a:t>Trần</a:t>
             </a:r>
             <a:r>
-              <a:rPr lang="en-US" dirty="0"/>
-              <a:t> Minh Quang_20173329</a:t>
-            </a:r>
-          </a:p>
-          <a:p>
-            <a:endParaRPr lang="en-US" dirty="0"/>
-          </a:p>
-          <a:p>
-            <a:r>
-              <a:rPr lang="en-US" dirty="0"/>
+              <a:rPr lang="en-US" dirty="0">
+                <a:latin typeface="Times New Roman" panose="02020603050405020304" pitchFamily="18" charset="0"/>
+                <a:cs typeface="Times New Roman" panose="02020603050405020304" pitchFamily="18" charset="0"/>
+              </a:rPr>
+              <a:t> Minh Quang_20173329       20%</a:t>
+            </a:r>
+          </a:p>
+          <a:p>
+            <a:endParaRPr lang="en-US" dirty="0">
+              <a:latin typeface="Times New Roman" panose="02020603050405020304" pitchFamily="18" charset="0"/>
+              <a:cs typeface="Times New Roman" panose="02020603050405020304" pitchFamily="18" charset="0"/>
+            </a:endParaRPr>
+          </a:p>
+          <a:p>
+            <a:r>
+              <a:rPr lang="en-US" dirty="0">
+                <a:latin typeface="Times New Roman" panose="02020603050405020304" pitchFamily="18" charset="0"/>
+                <a:cs typeface="Times New Roman" panose="02020603050405020304" pitchFamily="18" charset="0"/>
+              </a:rPr>
               <a:t>S</a:t>
             </a:r>
             <a:r>
-              <a:rPr lang="vi-VN" dirty="0"/>
+              <a:rPr lang="vi-VN" dirty="0">
+                <a:latin typeface="Times New Roman" panose="02020603050405020304" pitchFamily="18" charset="0"/>
+                <a:cs typeface="Times New Roman" panose="02020603050405020304" pitchFamily="18" charset="0"/>
+              </a:rPr>
               <a:t>ư</a:t>
             </a:r>
             <a:r>
-              <a:rPr lang="en-US" dirty="0"/>
+              <a:rPr lang="en-US" dirty="0">
+                <a:latin typeface="Times New Roman" panose="02020603050405020304" pitchFamily="18" charset="0"/>
+                <a:cs typeface="Times New Roman" panose="02020603050405020304" pitchFamily="18" charset="0"/>
+              </a:rPr>
               <a:t> </a:t>
             </a:r>
             <a:r>
-              <a:rPr lang="en-US" dirty="0" err="1"/>
+              <a:rPr lang="en-US" dirty="0" err="1">
+                <a:latin typeface="Times New Roman" panose="02020603050405020304" pitchFamily="18" charset="0"/>
+                <a:cs typeface="Times New Roman" panose="02020603050405020304" pitchFamily="18" charset="0"/>
+              </a:rPr>
               <a:t>Hữu</a:t>
             </a:r>
             <a:r>
-              <a:rPr lang="en-US" dirty="0"/>
+              <a:rPr lang="en-US" dirty="0">
+                <a:latin typeface="Times New Roman" panose="02020603050405020304" pitchFamily="18" charset="0"/>
+                <a:cs typeface="Times New Roman" panose="02020603050405020304" pitchFamily="18" charset="0"/>
+              </a:rPr>
               <a:t> </a:t>
             </a:r>
             <a:r>
-              <a:rPr lang="en-US" dirty="0" err="1"/>
+              <a:rPr lang="en-US" dirty="0" err="1">
+                <a:latin typeface="Times New Roman" panose="02020603050405020304" pitchFamily="18" charset="0"/>
+                <a:cs typeface="Times New Roman" panose="02020603050405020304" pitchFamily="18" charset="0"/>
+              </a:rPr>
               <a:t>Vũ</a:t>
             </a:r>
             <a:r>
-              <a:rPr lang="en-US" dirty="0"/>
-              <a:t> Quang_20167972</a:t>
+              <a:rPr lang="en-US" dirty="0">
+                <a:latin typeface="Times New Roman" panose="02020603050405020304" pitchFamily="18" charset="0"/>
+                <a:cs typeface="Times New Roman" panose="02020603050405020304" pitchFamily="18" charset="0"/>
+              </a:rPr>
+              <a:t> Quang_20167972      25%</a:t>
             </a:r>
           </a:p>
           <a:p>
@@ -3804,22 +4212,12 @@
               <a:buAutoNum type="romanUcPeriod" startAt="2"/>
             </a:pPr>
             <a:r>
-              <a:rPr lang="en-US" dirty="0"/>
-              <a:t>Một interaction diagram </a:t>
-            </a:r>
-            <a:r>
-              <a:rPr lang="en-US" dirty="0" err="1"/>
-              <a:t>điển</a:t>
-            </a:r>
-            <a:r>
-              <a:rPr lang="en-US" dirty="0"/>
-              <a:t> </a:t>
-            </a:r>
-            <a:r>
-              <a:rPr lang="en-US" dirty="0" err="1"/>
-              <a:t>hình</a:t>
-            </a:r>
-            <a:endParaRPr lang="en-US" dirty="0"/>
+              <a:rPr lang="en-US" dirty="0">
+                <a:latin typeface="Times New Roman" panose="02020603050405020304" pitchFamily="18" charset="0"/>
+                <a:cs typeface="Times New Roman" panose="02020603050405020304" pitchFamily="18" charset="0"/>
+              </a:rPr>
+              <a:t>Interaction diagram</a:t>
+            </a:r>
           </a:p>
         </p:txBody>
       </p:sp>
@@ -3916,7 +4314,10 @@
               <a:buAutoNum type="romanUcPeriod" startAt="3"/>
             </a:pPr>
             <a:r>
-              <a:rPr lang="en-US" dirty="0"/>
+              <a:rPr lang="en-US" dirty="0">
+                <a:latin typeface="Times New Roman" panose="02020603050405020304" pitchFamily="18" charset="0"/>
+                <a:cs typeface="Times New Roman" panose="02020603050405020304" pitchFamily="18" charset="0"/>
+              </a:rPr>
               <a:t>Class diagram</a:t>
             </a:r>
             <a:br>
@@ -3952,68 +4353,126 @@
           <a:bodyPr/>
           <a:lstStyle/>
           <a:p>
-            <a:r>
-              <a:rPr lang="en-US" dirty="0"/>
+            <a:pPr>
+              <a:lnSpc>
+                <a:spcPct val="150000"/>
+              </a:lnSpc>
+            </a:pPr>
+            <a:r>
+              <a:rPr lang="en-US" dirty="0">
+                <a:latin typeface="Times New Roman" panose="02020603050405020304" pitchFamily="18" charset="0"/>
+                <a:cs typeface="Times New Roman" panose="02020603050405020304" pitchFamily="18" charset="0"/>
+              </a:rPr>
               <a:t>General: </a:t>
             </a:r>
           </a:p>
           <a:p>
-            <a:pPr>
+            <a:pPr lvl="1">
+              <a:lnSpc>
+                <a:spcPct val="150000"/>
+              </a:lnSpc>
               <a:buFont typeface="Wingdings" panose="05000000000000000000" pitchFamily="2" charset="2"/>
               <a:buChar char="Ø"/>
             </a:pPr>
             <a:r>
-              <a:rPr lang="en-US" dirty="0" err="1"/>
+              <a:rPr lang="en-US" dirty="0" err="1">
+                <a:latin typeface="Times New Roman" panose="02020603050405020304" pitchFamily="18" charset="0"/>
+                <a:cs typeface="Times New Roman" panose="02020603050405020304" pitchFamily="18" charset="0"/>
+              </a:rPr>
               <a:t>GeneralAnalyticClassDiagram</a:t>
             </a:r>
-            <a:endParaRPr lang="en-US" dirty="0"/>
-          </a:p>
-          <a:p>
-            <a:r>
-              <a:rPr lang="en-US" dirty="0"/>
+            <a:endParaRPr lang="en-US" dirty="0">
+              <a:latin typeface="Times New Roman" panose="02020603050405020304" pitchFamily="18" charset="0"/>
+              <a:cs typeface="Times New Roman" panose="02020603050405020304" pitchFamily="18" charset="0"/>
+            </a:endParaRPr>
+          </a:p>
+          <a:p>
+            <a:pPr>
+              <a:lnSpc>
+                <a:spcPct val="150000"/>
+              </a:lnSpc>
+            </a:pPr>
+            <a:r>
+              <a:rPr lang="en-US" dirty="0">
+                <a:latin typeface="Times New Roman" panose="02020603050405020304" pitchFamily="18" charset="0"/>
+                <a:cs typeface="Times New Roman" panose="02020603050405020304" pitchFamily="18" charset="0"/>
+              </a:rPr>
               <a:t>Detail: </a:t>
             </a:r>
           </a:p>
           <a:p>
-            <a:pPr>
+            <a:pPr lvl="1">
+              <a:lnSpc>
+                <a:spcPct val="150000"/>
+              </a:lnSpc>
               <a:buFont typeface="Wingdings" panose="05000000000000000000" pitchFamily="2" charset="2"/>
               <a:buChar char="Ø"/>
             </a:pPr>
             <a:r>
-              <a:rPr lang="en-US" dirty="0" err="1"/>
+              <a:rPr lang="en-US" dirty="0" err="1">
+                <a:latin typeface="Times New Roman" panose="02020603050405020304" pitchFamily="18" charset="0"/>
+                <a:cs typeface="Times New Roman" panose="02020603050405020304" pitchFamily="18" charset="0"/>
+              </a:rPr>
               <a:t>ViewBikeAndStationAnalyticClassDiagram</a:t>
             </a:r>
-            <a:endParaRPr lang="en-US" dirty="0"/>
-          </a:p>
-          <a:p>
-            <a:pPr>
+            <a:endParaRPr lang="en-US" dirty="0">
+              <a:latin typeface="Times New Roman" panose="02020603050405020304" pitchFamily="18" charset="0"/>
+              <a:cs typeface="Times New Roman" panose="02020603050405020304" pitchFamily="18" charset="0"/>
+            </a:endParaRPr>
+          </a:p>
+          <a:p>
+            <a:pPr lvl="1">
+              <a:lnSpc>
+                <a:spcPct val="150000"/>
+              </a:lnSpc>
               <a:buFont typeface="Wingdings" panose="05000000000000000000" pitchFamily="2" charset="2"/>
               <a:buChar char="Ø"/>
             </a:pPr>
             <a:r>
-              <a:rPr lang="en-US" dirty="0"/>
+              <a:rPr lang="en-US" dirty="0">
+                <a:latin typeface="Times New Roman" panose="02020603050405020304" pitchFamily="18" charset="0"/>
+                <a:cs typeface="Times New Roman" panose="02020603050405020304" pitchFamily="18" charset="0"/>
+              </a:rPr>
               <a:t> </a:t>
             </a:r>
             <a:r>
-              <a:rPr lang="en-US" dirty="0" err="1"/>
+              <a:rPr lang="en-US" dirty="0" err="1">
+                <a:latin typeface="Times New Roman" panose="02020603050405020304" pitchFamily="18" charset="0"/>
+                <a:cs typeface="Times New Roman" panose="02020603050405020304" pitchFamily="18" charset="0"/>
+              </a:rPr>
               <a:t>RentBikeAnalyticClassDiagram</a:t>
             </a:r>
-            <a:endParaRPr lang="en-US" dirty="0"/>
-          </a:p>
-          <a:p>
-            <a:pPr>
+            <a:endParaRPr lang="en-US" dirty="0">
+              <a:latin typeface="Times New Roman" panose="02020603050405020304" pitchFamily="18" charset="0"/>
+              <a:cs typeface="Times New Roman" panose="02020603050405020304" pitchFamily="18" charset="0"/>
+            </a:endParaRPr>
+          </a:p>
+          <a:p>
+            <a:pPr lvl="1">
+              <a:lnSpc>
+                <a:spcPct val="150000"/>
+              </a:lnSpc>
               <a:buFont typeface="Wingdings" panose="05000000000000000000" pitchFamily="2" charset="2"/>
               <a:buChar char="Ø"/>
             </a:pPr>
             <a:r>
-              <a:rPr lang="en-US" dirty="0"/>
+              <a:rPr lang="en-US" dirty="0">
+                <a:latin typeface="Times New Roman" panose="02020603050405020304" pitchFamily="18" charset="0"/>
+                <a:cs typeface="Times New Roman" panose="02020603050405020304" pitchFamily="18" charset="0"/>
+              </a:rPr>
               <a:t> </a:t>
             </a:r>
             <a:r>
-              <a:rPr lang="en-US" dirty="0" err="1"/>
+              <a:rPr lang="en-US" dirty="0" err="1">
+                <a:latin typeface="Times New Roman" panose="02020603050405020304" pitchFamily="18" charset="0"/>
+                <a:cs typeface="Times New Roman" panose="02020603050405020304" pitchFamily="18" charset="0"/>
+              </a:rPr>
               <a:t>ReturnAnalyticClassDiagram</a:t>
             </a:r>
-            <a:endParaRPr lang="en-US" dirty="0"/>
+            <a:endParaRPr lang="en-US" dirty="0">
+              <a:latin typeface="Times New Roman" panose="02020603050405020304" pitchFamily="18" charset="0"/>
+              <a:cs typeface="Times New Roman" panose="02020603050405020304" pitchFamily="18" charset="0"/>
+            </a:endParaRPr>
           </a:p>
           <a:p>
             <a:endParaRPr lang="en-US" dirty="0"/>
@@ -4080,10 +4539,12 @@
               <a:t> </a:t>
             </a:r>
             <a:r>
-              <a:rPr lang="en-US" dirty="0" err="1"/>
-              <a:t>GeneralAnalyticClassDiagram</a:t>
-            </a:r>
-            <a:endParaRPr lang="en-US" dirty="0"/>
+              <a:rPr lang="en-US" dirty="0">
+                <a:latin typeface="Times New Roman" panose="02020603050405020304" pitchFamily="18" charset="0"/>
+                <a:cs typeface="Times New Roman" panose="02020603050405020304" pitchFamily="18" charset="0"/>
+              </a:rPr>
+              <a:t>General Analytic Class Diagram</a:t>
+            </a:r>
           </a:p>
         </p:txBody>
       </p:sp>
@@ -4171,7 +4632,9 @@
         </p:nvSpPr>
         <p:spPr/>
         <p:txBody>
-          <a:bodyPr/>
+          <a:bodyPr>
+            <a:normAutofit/>
+          </a:bodyPr>
           <a:lstStyle/>
           <a:p>
             <a:pPr marL="742950" indent="-742950">
@@ -4179,10 +4642,12 @@
               <a:buAutoNum type="arabicPeriod" startAt="2"/>
             </a:pPr>
             <a:r>
-              <a:rPr lang="en-US" dirty="0" err="1"/>
-              <a:t>ViewBikeAndStationAnalyticClassDiagram</a:t>
-            </a:r>
-            <a:endParaRPr lang="en-US" dirty="0"/>
+              <a:rPr lang="en-US" sz="3600" dirty="0">
+                <a:latin typeface="Times New Roman" panose="02020603050405020304" pitchFamily="18" charset="0"/>
+                <a:cs typeface="Times New Roman" panose="02020603050405020304" pitchFamily="18" charset="0"/>
+              </a:rPr>
+              <a:t>View Bike And Station Analytic Class Diagram</a:t>
+            </a:r>
           </a:p>
         </p:txBody>
       </p:sp>
@@ -4277,10 +4742,12 @@
               <a:buAutoNum type="arabicPeriod" startAt="3"/>
             </a:pPr>
             <a:r>
-              <a:rPr lang="en-US" dirty="0" err="1"/>
-              <a:t>RentBikeAnalyticClassDiagram</a:t>
-            </a:r>
-            <a:endParaRPr lang="en-US" dirty="0"/>
+              <a:rPr lang="en-US" dirty="0">
+                <a:latin typeface="Times New Roman" panose="02020603050405020304" pitchFamily="18" charset="0"/>
+                <a:cs typeface="Times New Roman" panose="02020603050405020304" pitchFamily="18" charset="0"/>
+              </a:rPr>
+              <a:t>Rent Bike Analytic Class Diagram</a:t>
+            </a:r>
           </a:p>
         </p:txBody>
       </p:sp>
@@ -4375,10 +4842,12 @@
               <a:buAutoNum type="arabicPeriod" startAt="4"/>
             </a:pPr>
             <a:r>
-              <a:rPr lang="en-US" dirty="0" err="1"/>
-              <a:t>ReturnAnalyticClassDiagram</a:t>
-            </a:r>
-            <a:endParaRPr lang="en-US" dirty="0"/>
+              <a:rPr lang="en-US" dirty="0">
+                <a:latin typeface="Times New Roman" panose="02020603050405020304" pitchFamily="18" charset="0"/>
+                <a:cs typeface="Times New Roman" panose="02020603050405020304" pitchFamily="18" charset="0"/>
+              </a:rPr>
+              <a:t>Return Analytic Class Diagram</a:t>
+            </a:r>
           </a:p>
         </p:txBody>
       </p:sp>
@@ -4452,7 +4921,7 @@
           <p:cNvPr id="2" name="Title 1">
             <a:extLst>
               <a:ext uri="{FF2B5EF4-FFF2-40B4-BE49-F238E27FC236}">
-                <a16:creationId xmlns:a16="http://schemas.microsoft.com/office/drawing/2014/main" id="{80609B3F-2681-4FAA-96F8-72563A2C3B1D}"/>
+                <a16:creationId xmlns:a16="http://schemas.microsoft.com/office/drawing/2014/main" id="{2044FC0B-5EB8-4754-94DC-C26D7C161AAB}"/>
               </a:ext>
             </a:extLst>
           </p:cNvPr>
@@ -4468,14 +4937,21 @@
           <a:bodyPr/>
           <a:lstStyle/>
           <a:p>
-            <a:pPr marL="857250" indent="-857250">
-              <a:buFont typeface="+mj-lt"/>
-              <a:buAutoNum type="romanUcPeriod" startAt="4"/>
-            </a:pPr>
             <a:r>
               <a:rPr lang="en-US" dirty="0"/>
-              <a:t>Design considerations</a:t>
-            </a:r>
+              <a:t>IV. </a:t>
+            </a:r>
+            <a:r>
+              <a:rPr lang="en-US" dirty="0">
+                <a:latin typeface="Times New Roman" panose="02020603050405020304" pitchFamily="18" charset="0"/>
+                <a:cs typeface="Times New Roman" panose="02020603050405020304" pitchFamily="18" charset="0"/>
+              </a:rPr>
+              <a:t>Design Consideration</a:t>
+            </a:r>
+            <a:endParaRPr lang="vi-VN" dirty="0">
+              <a:latin typeface="Times New Roman" panose="02020603050405020304" pitchFamily="18" charset="0"/>
+              <a:cs typeface="Times New Roman" panose="02020603050405020304" pitchFamily="18" charset="0"/>
+            </a:endParaRPr>
           </a:p>
         </p:txBody>
       </p:sp>
@@ -4484,7 +4960,7 @@
           <p:cNvPr id="3" name="Content Placeholder 2">
             <a:extLst>
               <a:ext uri="{FF2B5EF4-FFF2-40B4-BE49-F238E27FC236}">
-                <a16:creationId xmlns:a16="http://schemas.microsoft.com/office/drawing/2014/main" id="{75189A8C-7087-4D03-BE83-5119C724545D}"/>
+                <a16:creationId xmlns:a16="http://schemas.microsoft.com/office/drawing/2014/main" id="{B2C1BABF-D7E1-4963-9D7D-8AF9E931E44C}"/>
               </a:ext>
             </a:extLst>
           </p:cNvPr>
@@ -4500,14 +4976,14 @@
           <a:bodyPr/>
           <a:lstStyle/>
           <a:p>
-            <a:endParaRPr lang="en-US"/>
+            <a:endParaRPr lang="vi-VN"/>
           </a:p>
         </p:txBody>
       </p:sp>
     </p:spTree>
     <p:extLst>
       <p:ext uri="{BB962C8B-B14F-4D97-AF65-F5344CB8AC3E}">
-        <p14:creationId xmlns:p14="http://schemas.microsoft.com/office/powerpoint/2010/main" val="1396937737"/>
+        <p14:creationId xmlns:p14="http://schemas.microsoft.com/office/powerpoint/2010/main" val="1450040096"/>
       </p:ext>
     </p:extLst>
   </p:cSld>
